--- a/Class Slides 2024/Class 5.pptx
+++ b/Class Slides 2024/Class 5.pptx
@@ -5,7 +5,7 @@
     <p:sldMasterId id="2147483648" r:id="rId1"/>
   </p:sldMasterIdLst>
   <p:notesMasterIdLst>
-    <p:notesMasterId r:id="rId20"/>
+    <p:notesMasterId r:id="rId24"/>
   </p:notesMasterIdLst>
   <p:sldIdLst>
     <p:sldId id="256" r:id="rId2"/>
@@ -25,10 +25,14 @@
     <p:sldId id="328" r:id="rId16"/>
     <p:sldId id="316" r:id="rId17"/>
     <p:sldId id="330" r:id="rId18"/>
-    <p:sldId id="262" r:id="rId19"/>
+    <p:sldId id="266" r:id="rId19"/>
+    <p:sldId id="268" r:id="rId20"/>
+    <p:sldId id="267" r:id="rId21"/>
+    <p:sldId id="269" r:id="rId22"/>
+    <p:sldId id="262" r:id="rId23"/>
   </p:sldIdLst>
   <p:sldSz cx="12192000" cy="6858000"/>
-  <p:notesSz cx="6858000" cy="9144000"/>
+  <p:notesSz cx="7102475" cy="9388475"/>
   <p:defaultTextStyle>
     <a:defPPr>
       <a:defRPr lang="en-US"/>
@@ -167,14 +171,14 @@
         <p:spPr>
           <a:xfrm>
             <a:off x="0" y="0"/>
-            <a:ext cx="2971800" cy="458788"/>
+            <a:ext cx="3077739" cy="471054"/>
           </a:xfrm>
           <a:prstGeom prst="rect">
             <a:avLst/>
           </a:prstGeom>
         </p:spPr>
         <p:txBody>
-          <a:bodyPr vert="horz" lIns="91440" tIns="45720" rIns="91440" bIns="45720" rtlCol="0"/>
+          <a:bodyPr vert="horz" lIns="94229" tIns="47114" rIns="94229" bIns="47114" rtlCol="0"/>
           <a:lstStyle>
             <a:lvl1pPr algn="l">
               <a:defRPr sz="1200"/>
@@ -197,15 +201,15 @@
         </p:nvSpPr>
         <p:spPr>
           <a:xfrm>
-            <a:off x="3884613" y="0"/>
-            <a:ext cx="2971800" cy="458788"/>
+            <a:off x="4023092" y="0"/>
+            <a:ext cx="3077739" cy="471054"/>
           </a:xfrm>
           <a:prstGeom prst="rect">
             <a:avLst/>
           </a:prstGeom>
         </p:spPr>
         <p:txBody>
-          <a:bodyPr vert="horz" lIns="91440" tIns="45720" rIns="91440" bIns="45720" rtlCol="0"/>
+          <a:bodyPr vert="horz" lIns="94229" tIns="47114" rIns="94229" bIns="47114" rtlCol="0"/>
           <a:lstStyle>
             <a:lvl1pPr algn="r">
               <a:defRPr sz="1200"/>
@@ -214,7 +218,7 @@
           <a:p>
             <a:fld id="{816B64D0-3A3F-494C-816B-48A0F12153FC}" type="datetimeFigureOut">
               <a:rPr lang="en-US" smtClean="0"/>
-              <a:t>1/3/2024</a:t>
+              <a:t>1/11/2024</a:t>
             </a:fld>
             <a:endParaRPr lang="en-US"/>
           </a:p>
@@ -232,8 +236,8 @@
         </p:nvSpPr>
         <p:spPr>
           <a:xfrm>
-            <a:off x="685800" y="1143000"/>
-            <a:ext cx="5486400" cy="3086100"/>
+            <a:off x="735013" y="1173163"/>
+            <a:ext cx="5632450" cy="3168650"/>
           </a:xfrm>
           <a:prstGeom prst="rect">
             <a:avLst/>
@@ -246,7 +250,7 @@
           </a:ln>
         </p:spPr>
         <p:txBody>
-          <a:bodyPr vert="horz" lIns="91440" tIns="45720" rIns="91440" bIns="45720" rtlCol="0" anchor="ctr"/>
+          <a:bodyPr vert="horz" lIns="94229" tIns="47114" rIns="94229" bIns="47114" rtlCol="0" anchor="ctr"/>
           <a:lstStyle/>
           <a:p>
             <a:endParaRPr lang="en-US"/>
@@ -265,15 +269,15 @@
         </p:nvSpPr>
         <p:spPr>
           <a:xfrm>
-            <a:off x="685800" y="4400550"/>
-            <a:ext cx="5486400" cy="3600450"/>
+            <a:off x="710248" y="4518204"/>
+            <a:ext cx="5681980" cy="3696712"/>
           </a:xfrm>
           <a:prstGeom prst="rect">
             <a:avLst/>
           </a:prstGeom>
         </p:spPr>
         <p:txBody>
-          <a:bodyPr vert="horz" lIns="91440" tIns="45720" rIns="91440" bIns="45720" rtlCol="0"/>
+          <a:bodyPr vert="horz" lIns="94229" tIns="47114" rIns="94229" bIns="47114" rtlCol="0"/>
           <a:lstStyle/>
           <a:p>
             <a:pPr lvl="0"/>
@@ -324,15 +328,15 @@
         </p:nvSpPr>
         <p:spPr>
           <a:xfrm>
-            <a:off x="0" y="8685213"/>
-            <a:ext cx="2971800" cy="458787"/>
+            <a:off x="0" y="8917422"/>
+            <a:ext cx="3077739" cy="471053"/>
           </a:xfrm>
           <a:prstGeom prst="rect">
             <a:avLst/>
           </a:prstGeom>
         </p:spPr>
         <p:txBody>
-          <a:bodyPr vert="horz" lIns="91440" tIns="45720" rIns="91440" bIns="45720" rtlCol="0" anchor="b"/>
+          <a:bodyPr vert="horz" lIns="94229" tIns="47114" rIns="94229" bIns="47114" rtlCol="0" anchor="b"/>
           <a:lstStyle>
             <a:lvl1pPr algn="l">
               <a:defRPr sz="1200"/>
@@ -355,15 +359,15 @@
         </p:nvSpPr>
         <p:spPr>
           <a:xfrm>
-            <a:off x="3884613" y="8685213"/>
-            <a:ext cx="2971800" cy="458787"/>
+            <a:off x="4023092" y="8917422"/>
+            <a:ext cx="3077739" cy="471053"/>
           </a:xfrm>
           <a:prstGeom prst="rect">
             <a:avLst/>
           </a:prstGeom>
         </p:spPr>
         <p:txBody>
-          <a:bodyPr vert="horz" lIns="91440" tIns="45720" rIns="91440" bIns="45720" rtlCol="0" anchor="b"/>
+          <a:bodyPr vert="horz" lIns="94229" tIns="47114" rIns="94229" bIns="47114" rtlCol="0" anchor="b"/>
           <a:lstStyle>
             <a:lvl1pPr algn="r">
               <a:defRPr sz="1200"/>
@@ -571,6 +575,267 @@
 </p:notes>
 </file>
 
+<file path=ppt/notesSlides/notesSlide2.xml><?xml version="1.0" encoding="utf-8"?>
+<p:notes xmlns:a="http://schemas.openxmlformats.org/drawingml/2006/main" xmlns:r="http://schemas.openxmlformats.org/officeDocument/2006/relationships" xmlns:p="http://schemas.openxmlformats.org/presentationml/2006/main">
+  <p:cSld>
+    <p:spTree>
+      <p:nvGrpSpPr>
+        <p:cNvPr id="1" name=""/>
+        <p:cNvGrpSpPr/>
+        <p:nvPr/>
+      </p:nvGrpSpPr>
+      <p:grpSpPr>
+        <a:xfrm>
+          <a:off x="0" y="0"/>
+          <a:ext cx="0" cy="0"/>
+          <a:chOff x="0" y="0"/>
+          <a:chExt cx="0" cy="0"/>
+        </a:xfrm>
+      </p:grpSpPr>
+      <p:sp>
+        <p:nvSpPr>
+          <p:cNvPr id="20482" name="Rectangle 7"/>
+          <p:cNvSpPr>
+            <a:spLocks noGrp="1" noChangeArrowheads="1"/>
+          </p:cNvSpPr>
+          <p:nvPr>
+            <p:ph type="sldNum" sz="quarter" idx="5"/>
+          </p:nvPr>
+        </p:nvSpPr>
+        <p:spPr bwMode="auto">
+          <a:noFill/>
+          <a:extLst>
+            <a:ext uri="{909E8E84-426E-40DD-AFC4-6F175D3DCCD1}">
+              <a14:hiddenFill xmlns:a14="http://schemas.microsoft.com/office/drawing/2010/main">
+                <a:solidFill>
+                  <a:srgbClr val="FFFFFF"/>
+                </a:solidFill>
+              </a14:hiddenFill>
+            </a:ext>
+            <a:ext uri="{91240B29-F687-4F45-9708-019B960494DF}">
+              <a14:hiddenLine xmlns:a14="http://schemas.microsoft.com/office/drawing/2010/main" w="9525">
+                <a:solidFill>
+                  <a:srgbClr val="000000"/>
+                </a:solidFill>
+                <a:miter lim="800000"/>
+                <a:headEnd/>
+                <a:tailEnd/>
+              </a14:hiddenLine>
+            </a:ext>
+          </a:extLst>
+        </p:spPr>
+        <p:txBody>
+          <a:bodyPr wrap="square" numCol="1" anchorCtr="0" compatLnSpc="1">
+            <a:prstTxWarp prst="textNoShape">
+              <a:avLst/>
+            </a:prstTxWarp>
+          </a:bodyPr>
+          <a:lstStyle>
+            <a:lvl1pPr eaLnBrk="0" hangingPunct="0">
+              <a:defRPr>
+                <a:solidFill>
+                  <a:schemeClr val="tx1"/>
+                </a:solidFill>
+                <a:latin typeface="Arial" charset="0"/>
+                <a:cs typeface="Arial" charset="0"/>
+              </a:defRPr>
+            </a:lvl1pPr>
+            <a:lvl2pPr marL="788894" indent="-303420" eaLnBrk="0" hangingPunct="0">
+              <a:defRPr>
+                <a:solidFill>
+                  <a:schemeClr val="tx1"/>
+                </a:solidFill>
+                <a:latin typeface="Arial" charset="0"/>
+                <a:cs typeface="Arial" charset="0"/>
+              </a:defRPr>
+            </a:lvl2pPr>
+            <a:lvl3pPr marL="1213684" indent="-242736" eaLnBrk="0" hangingPunct="0">
+              <a:defRPr>
+                <a:solidFill>
+                  <a:schemeClr val="tx1"/>
+                </a:solidFill>
+                <a:latin typeface="Arial" charset="0"/>
+                <a:cs typeface="Arial" charset="0"/>
+              </a:defRPr>
+            </a:lvl3pPr>
+            <a:lvl4pPr marL="1699157" indent="-242736" eaLnBrk="0" hangingPunct="0">
+              <a:defRPr>
+                <a:solidFill>
+                  <a:schemeClr val="tx1"/>
+                </a:solidFill>
+                <a:latin typeface="Arial" charset="0"/>
+                <a:cs typeface="Arial" charset="0"/>
+              </a:defRPr>
+            </a:lvl4pPr>
+            <a:lvl5pPr marL="2184631" indent="-242736" eaLnBrk="0" hangingPunct="0">
+              <a:defRPr>
+                <a:solidFill>
+                  <a:schemeClr val="tx1"/>
+                </a:solidFill>
+                <a:latin typeface="Arial" charset="0"/>
+                <a:cs typeface="Arial" charset="0"/>
+              </a:defRPr>
+            </a:lvl5pPr>
+            <a:lvl6pPr marL="2670104" indent="-242736" eaLnBrk="0" fontAlgn="base" hangingPunct="0">
+              <a:spcBef>
+                <a:spcPct val="0"/>
+              </a:spcBef>
+              <a:spcAft>
+                <a:spcPct val="0"/>
+              </a:spcAft>
+              <a:defRPr>
+                <a:solidFill>
+                  <a:schemeClr val="tx1"/>
+                </a:solidFill>
+                <a:latin typeface="Arial" charset="0"/>
+                <a:cs typeface="Arial" charset="0"/>
+              </a:defRPr>
+            </a:lvl6pPr>
+            <a:lvl7pPr marL="3155578" indent="-242736" eaLnBrk="0" fontAlgn="base" hangingPunct="0">
+              <a:spcBef>
+                <a:spcPct val="0"/>
+              </a:spcBef>
+              <a:spcAft>
+                <a:spcPct val="0"/>
+              </a:spcAft>
+              <a:defRPr>
+                <a:solidFill>
+                  <a:schemeClr val="tx1"/>
+                </a:solidFill>
+                <a:latin typeface="Arial" charset="0"/>
+                <a:cs typeface="Arial" charset="0"/>
+              </a:defRPr>
+            </a:lvl7pPr>
+            <a:lvl8pPr marL="3641050" indent="-242736" eaLnBrk="0" fontAlgn="base" hangingPunct="0">
+              <a:spcBef>
+                <a:spcPct val="0"/>
+              </a:spcBef>
+              <a:spcAft>
+                <a:spcPct val="0"/>
+              </a:spcAft>
+              <a:defRPr>
+                <a:solidFill>
+                  <a:schemeClr val="tx1"/>
+                </a:solidFill>
+                <a:latin typeface="Arial" charset="0"/>
+                <a:cs typeface="Arial" charset="0"/>
+              </a:defRPr>
+            </a:lvl8pPr>
+            <a:lvl9pPr marL="4126524" indent="-242736" eaLnBrk="0" fontAlgn="base" hangingPunct="0">
+              <a:spcBef>
+                <a:spcPct val="0"/>
+              </a:spcBef>
+              <a:spcAft>
+                <a:spcPct val="0"/>
+              </a:spcAft>
+              <a:defRPr>
+                <a:solidFill>
+                  <a:schemeClr val="tx1"/>
+                </a:solidFill>
+                <a:latin typeface="Arial" charset="0"/>
+                <a:cs typeface="Arial" charset="0"/>
+              </a:defRPr>
+            </a:lvl9pPr>
+          </a:lstStyle>
+          <a:p>
+            <a:pPr eaLnBrk="1" hangingPunct="1"/>
+            <a:fld id="{8C6454AF-A3F4-4654-85C8-8D53AD94A576}" type="slidenum">
+              <a:rPr lang="en-US" smtClean="0"/>
+              <a:pPr eaLnBrk="1" hangingPunct="1"/>
+              <a:t>18</a:t>
+            </a:fld>
+            <a:endParaRPr lang="en-US"/>
+          </a:p>
+        </p:txBody>
+      </p:sp>
+      <p:sp>
+        <p:nvSpPr>
+          <p:cNvPr id="20483" name="Rectangle 2"/>
+          <p:cNvSpPr>
+            <a:spLocks noGrp="1" noRot="1" noChangeAspect="1" noChangeArrowheads="1" noTextEdit="1"/>
+          </p:cNvSpPr>
+          <p:nvPr>
+            <p:ph type="sldImg"/>
+          </p:nvPr>
+        </p:nvSpPr>
+        <p:spPr bwMode="auto">
+          <a:noFill/>
+          <a:ln>
+            <a:solidFill>
+              <a:srgbClr val="000000"/>
+            </a:solidFill>
+            <a:miter lim="800000"/>
+            <a:headEnd/>
+            <a:tailEnd/>
+          </a:ln>
+          <a:extLst>
+            <a:ext uri="{909E8E84-426E-40DD-AFC4-6F175D3DCCD1}">
+              <a14:hiddenFill xmlns:a14="http://schemas.microsoft.com/office/drawing/2010/main">
+                <a:solidFill>
+                  <a:srgbClr val="FFFFFF"/>
+                </a:solidFill>
+              </a14:hiddenFill>
+            </a:ext>
+          </a:extLst>
+        </p:spPr>
+      </p:sp>
+      <p:sp>
+        <p:nvSpPr>
+          <p:cNvPr id="20484" name="Rectangle 3"/>
+          <p:cNvSpPr>
+            <a:spLocks noGrp="1" noChangeArrowheads="1"/>
+          </p:cNvSpPr>
+          <p:nvPr>
+            <p:ph type="body" idx="1"/>
+          </p:nvPr>
+        </p:nvSpPr>
+        <p:spPr bwMode="auto">
+          <a:noFill/>
+          <a:extLst>
+            <a:ext uri="{909E8E84-426E-40DD-AFC4-6F175D3DCCD1}">
+              <a14:hiddenFill xmlns:a14="http://schemas.microsoft.com/office/drawing/2010/main">
+                <a:solidFill>
+                  <a:srgbClr val="FFFFFF"/>
+                </a:solidFill>
+              </a14:hiddenFill>
+            </a:ext>
+            <a:ext uri="{91240B29-F687-4F45-9708-019B960494DF}">
+              <a14:hiddenLine xmlns:a14="http://schemas.microsoft.com/office/drawing/2010/main" w="9525">
+                <a:solidFill>
+                  <a:srgbClr val="000000"/>
+                </a:solidFill>
+                <a:miter lim="800000"/>
+                <a:headEnd/>
+                <a:tailEnd/>
+              </a14:hiddenLine>
+            </a:ext>
+          </a:extLst>
+        </p:spPr>
+        <p:txBody>
+          <a:bodyPr wrap="square" numCol="1" anchor="t" anchorCtr="0" compatLnSpc="1">
+            <a:prstTxWarp prst="textNoShape">
+              <a:avLst/>
+            </a:prstTxWarp>
+          </a:bodyPr>
+          <a:lstStyle/>
+          <a:p>
+            <a:pPr eaLnBrk="1" hangingPunct="1">
+              <a:spcBef>
+                <a:spcPct val="0"/>
+              </a:spcBef>
+            </a:pPr>
+            <a:endParaRPr lang="en-US"/>
+          </a:p>
+        </p:txBody>
+      </p:sp>
+    </p:spTree>
+  </p:cSld>
+  <p:clrMapOvr>
+    <a:masterClrMapping/>
+  </p:clrMapOvr>
+</p:notes>
+</file>
+
 <file path=ppt/slideLayouts/slideLayout1.xml><?xml version="1.0" encoding="utf-8"?>
 <p:sldLayout xmlns:a="http://schemas.openxmlformats.org/drawingml/2006/main" xmlns:r="http://schemas.openxmlformats.org/officeDocument/2006/relationships" xmlns:p="http://schemas.openxmlformats.org/presentationml/2006/main" type="title" preserve="1">
   <p:cSld name="Title Slide">
@@ -718,7 +983,7 @@
           <a:p>
             <a:fld id="{9ECE2936-EF13-45A0-B380-C3B5047DF9EF}" type="datetimeFigureOut">
               <a:rPr lang="en-US" smtClean="0"/>
-              <a:t>1/3/2024</a:t>
+              <a:t>1/11/2024</a:t>
             </a:fld>
             <a:endParaRPr lang="en-US"/>
           </a:p>
@@ -916,7 +1181,7 @@
           <a:p>
             <a:fld id="{9ECE2936-EF13-45A0-B380-C3B5047DF9EF}" type="datetimeFigureOut">
               <a:rPr lang="en-US" smtClean="0"/>
-              <a:t>1/3/2024</a:t>
+              <a:t>1/11/2024</a:t>
             </a:fld>
             <a:endParaRPr lang="en-US"/>
           </a:p>
@@ -1124,7 +1389,7 @@
           <a:p>
             <a:fld id="{9ECE2936-EF13-45A0-B380-C3B5047DF9EF}" type="datetimeFigureOut">
               <a:rPr lang="en-US" smtClean="0"/>
-              <a:t>1/3/2024</a:t>
+              <a:t>1/11/2024</a:t>
             </a:fld>
             <a:endParaRPr lang="en-US"/>
           </a:p>
@@ -1322,7 +1587,7 @@
           <a:p>
             <a:fld id="{9ECE2936-EF13-45A0-B380-C3B5047DF9EF}" type="datetimeFigureOut">
               <a:rPr lang="en-US" smtClean="0"/>
-              <a:t>1/3/2024</a:t>
+              <a:t>1/11/2024</a:t>
             </a:fld>
             <a:endParaRPr lang="en-US"/>
           </a:p>
@@ -1597,7 +1862,7 @@
           <a:p>
             <a:fld id="{9ECE2936-EF13-45A0-B380-C3B5047DF9EF}" type="datetimeFigureOut">
               <a:rPr lang="en-US" smtClean="0"/>
-              <a:t>1/3/2024</a:t>
+              <a:t>1/11/2024</a:t>
             </a:fld>
             <a:endParaRPr lang="en-US"/>
           </a:p>
@@ -1862,7 +2127,7 @@
           <a:p>
             <a:fld id="{9ECE2936-EF13-45A0-B380-C3B5047DF9EF}" type="datetimeFigureOut">
               <a:rPr lang="en-US" smtClean="0"/>
-              <a:t>1/3/2024</a:t>
+              <a:t>1/11/2024</a:t>
             </a:fld>
             <a:endParaRPr lang="en-US"/>
           </a:p>
@@ -2274,7 +2539,7 @@
           <a:p>
             <a:fld id="{9ECE2936-EF13-45A0-B380-C3B5047DF9EF}" type="datetimeFigureOut">
               <a:rPr lang="en-US" smtClean="0"/>
-              <a:t>1/3/2024</a:t>
+              <a:t>1/11/2024</a:t>
             </a:fld>
             <a:endParaRPr lang="en-US"/>
           </a:p>
@@ -2415,7 +2680,7 @@
           <a:p>
             <a:fld id="{9ECE2936-EF13-45A0-B380-C3B5047DF9EF}" type="datetimeFigureOut">
               <a:rPr lang="en-US" smtClean="0"/>
-              <a:t>1/3/2024</a:t>
+              <a:t>1/11/2024</a:t>
             </a:fld>
             <a:endParaRPr lang="en-US"/>
           </a:p>
@@ -2528,7 +2793,7 @@
           <a:p>
             <a:fld id="{9ECE2936-EF13-45A0-B380-C3B5047DF9EF}" type="datetimeFigureOut">
               <a:rPr lang="en-US" smtClean="0"/>
-              <a:t>1/3/2024</a:t>
+              <a:t>1/11/2024</a:t>
             </a:fld>
             <a:endParaRPr lang="en-US"/>
           </a:p>
@@ -2839,7 +3104,7 @@
           <a:p>
             <a:fld id="{9ECE2936-EF13-45A0-B380-C3B5047DF9EF}" type="datetimeFigureOut">
               <a:rPr lang="en-US" smtClean="0"/>
-              <a:t>1/3/2024</a:t>
+              <a:t>1/11/2024</a:t>
             </a:fld>
             <a:endParaRPr lang="en-US"/>
           </a:p>
@@ -3127,7 +3392,7 @@
           <a:p>
             <a:fld id="{9ECE2936-EF13-45A0-B380-C3B5047DF9EF}" type="datetimeFigureOut">
               <a:rPr lang="en-US" smtClean="0"/>
-              <a:t>1/3/2024</a:t>
+              <a:t>1/11/2024</a:t>
             </a:fld>
             <a:endParaRPr lang="en-US"/>
           </a:p>
@@ -3368,7 +3633,7 @@
           <a:p>
             <a:fld id="{9ECE2936-EF13-45A0-B380-C3B5047DF9EF}" type="datetimeFigureOut">
               <a:rPr lang="en-US" smtClean="0"/>
-              <a:t>1/3/2024</a:t>
+              <a:t>1/11/2024</a:t>
             </a:fld>
             <a:endParaRPr lang="en-US"/>
           </a:p>
@@ -3808,7 +4073,7 @@
           <a:p>
             <a:r>
               <a:rPr lang="en-US" dirty="0"/>
-              <a:t>205 Sep 30, Class 5</a:t>
+              <a:t>205 Jan 12, Class 5</a:t>
             </a:r>
           </a:p>
         </p:txBody>
@@ -3875,6 +4140,23 @@
             <a:r>
               <a:rPr lang="en-US" dirty="0"/>
               <a:t>Review of prior research on “levels of processing”</a:t>
+            </a:r>
+          </a:p>
+          <a:p>
+            <a:pPr lvl="1"/>
+            <a:endParaRPr lang="en-US" dirty="0"/>
+          </a:p>
+          <a:p>
+            <a:r>
+              <a:rPr lang="en-US" dirty="0"/>
+              <a:t>Chapter 6 preview</a:t>
+            </a:r>
+          </a:p>
+          <a:p>
+            <a:pPr lvl="1"/>
+            <a:r>
+              <a:rPr lang="en-US" dirty="0"/>
+              <a:t>APA writing, brief overview and Methods section</a:t>
             </a:r>
           </a:p>
         </p:txBody>
@@ -4989,7 +5271,7 @@
           <a:p>
             <a:r>
               <a:rPr lang="en-US" dirty="0"/>
-              <a:t>First write up</a:t>
+              <a:t>Reporting on Experiment 1</a:t>
             </a:r>
           </a:p>
         </p:txBody>
@@ -5023,7 +5305,7 @@
           <a:p>
             <a:pPr lvl="1"/>
             <a:r>
-              <a:rPr lang="en-US" dirty="0"/>
+              <a:rPr lang="en-US" strike="sngStrike" dirty="0"/>
               <a:t>Monday: data analysis</a:t>
             </a:r>
           </a:p>
@@ -5031,7 +5313,7 @@
             <a:pPr lvl="1"/>
             <a:r>
               <a:rPr lang="en-US" dirty="0"/>
-              <a:t>Wednesday: APA format</a:t>
+              <a:t>Wednesday: Data analysis &amp; APA format</a:t>
             </a:r>
           </a:p>
           <a:p>
@@ -5052,6 +5334,13 @@
             <a:r>
               <a:rPr lang="en-US" dirty="0"/>
               <a:t>Second writeup extends this one</a:t>
+            </a:r>
+          </a:p>
+          <a:p>
+            <a:pPr lvl="1"/>
+            <a:r>
+              <a:rPr lang="en-US" dirty="0"/>
+              <a:t>First report has simplified requirements</a:t>
             </a:r>
           </a:p>
           <a:p>
@@ -5074,7 +5363,7 @@
     </p:spTree>
     <p:extLst>
       <p:ext uri="{BB962C8B-B14F-4D97-AF65-F5344CB8AC3E}">
-        <p14:creationId xmlns:p14="http://schemas.microsoft.com/office/powerpoint/2010/main" val="1410546351"/>
+        <p14:creationId xmlns:p14="http://schemas.microsoft.com/office/powerpoint/2010/main" val="3189802744"/>
       </p:ext>
     </p:extLst>
   </p:cSld>
@@ -5103,10 +5392,197 @@
       </p:grpSpPr>
       <p:sp>
         <p:nvSpPr>
+          <p:cNvPr id="10242" name="Rectangle 2"/>
+          <p:cNvSpPr>
+            <a:spLocks noGrp="1" noChangeArrowheads="1"/>
+          </p:cNvSpPr>
+          <p:nvPr>
+            <p:ph type="title"/>
+          </p:nvPr>
+        </p:nvSpPr>
+        <p:spPr/>
+        <p:txBody>
+          <a:bodyPr/>
+          <a:lstStyle/>
+          <a:p>
+            <a:pPr eaLnBrk="1" hangingPunct="1"/>
+            <a:r>
+              <a:rPr lang="en-US" dirty="0"/>
+              <a:t>Chapter 6: APA Report Sections</a:t>
+            </a:r>
+          </a:p>
+        </p:txBody>
+      </p:sp>
+      <p:sp>
+        <p:nvSpPr>
+          <p:cNvPr id="10243" name="Rectangle 3"/>
+          <p:cNvSpPr>
+            <a:spLocks noGrp="1" noChangeArrowheads="1"/>
+          </p:cNvSpPr>
+          <p:nvPr>
+            <p:ph type="body" idx="1"/>
+          </p:nvPr>
+        </p:nvSpPr>
+        <p:spPr/>
+        <p:txBody>
+          <a:bodyPr>
+            <a:normAutofit lnSpcReduction="10000"/>
+          </a:bodyPr>
+          <a:lstStyle/>
+          <a:p>
+            <a:pPr eaLnBrk="1" hangingPunct="1">
+              <a:lnSpc>
+                <a:spcPct val="80000"/>
+              </a:lnSpc>
+            </a:pPr>
+            <a:r>
+              <a:rPr lang="en-US" dirty="0"/>
+              <a:t>Abstract</a:t>
+            </a:r>
+          </a:p>
+          <a:p>
+            <a:pPr lvl="1" eaLnBrk="1" hangingPunct="1">
+              <a:lnSpc>
+                <a:spcPct val="80000"/>
+              </a:lnSpc>
+            </a:pPr>
+            <a:r>
+              <a:rPr lang="en-US" dirty="0"/>
+              <a:t>Very concise summary, ~200 words</a:t>
+            </a:r>
+          </a:p>
+          <a:p>
+            <a:pPr eaLnBrk="1" hangingPunct="1">
+              <a:lnSpc>
+                <a:spcPct val="80000"/>
+              </a:lnSpc>
+            </a:pPr>
+            <a:r>
+              <a:rPr lang="en-US" dirty="0"/>
+              <a:t>Introduction</a:t>
+            </a:r>
+          </a:p>
+          <a:p>
+            <a:pPr lvl="1" eaLnBrk="1" hangingPunct="1">
+              <a:lnSpc>
+                <a:spcPct val="80000"/>
+              </a:lnSpc>
+            </a:pPr>
+            <a:r>
+              <a:rPr lang="en-US" dirty="0"/>
+              <a:t>Construct, background, hypothesis</a:t>
+            </a:r>
+          </a:p>
+          <a:p>
+            <a:pPr eaLnBrk="1" hangingPunct="1">
+              <a:lnSpc>
+                <a:spcPct val="80000"/>
+              </a:lnSpc>
+            </a:pPr>
+            <a:r>
+              <a:rPr lang="en-US" b="1" dirty="0"/>
+              <a:t>Methods</a:t>
+            </a:r>
+          </a:p>
+          <a:p>
+            <a:pPr lvl="1" eaLnBrk="1" hangingPunct="1">
+              <a:lnSpc>
+                <a:spcPct val="80000"/>
+              </a:lnSpc>
+            </a:pPr>
+            <a:r>
+              <a:rPr lang="en-US" b="1" dirty="0"/>
+              <a:t>Participants, materials, procedure</a:t>
+            </a:r>
+          </a:p>
+          <a:p>
+            <a:pPr eaLnBrk="1" hangingPunct="1">
+              <a:lnSpc>
+                <a:spcPct val="80000"/>
+              </a:lnSpc>
+            </a:pPr>
+            <a:r>
+              <a:rPr lang="en-US" dirty="0"/>
+              <a:t>Results</a:t>
+            </a:r>
+          </a:p>
+          <a:p>
+            <a:pPr lvl="1" eaLnBrk="1" hangingPunct="1">
+              <a:lnSpc>
+                <a:spcPct val="80000"/>
+              </a:lnSpc>
+            </a:pPr>
+            <a:r>
+              <a:rPr lang="en-US" dirty="0"/>
+              <a:t>Figure</a:t>
+            </a:r>
+          </a:p>
+          <a:p>
+            <a:pPr eaLnBrk="1" hangingPunct="1">
+              <a:lnSpc>
+                <a:spcPct val="80000"/>
+              </a:lnSpc>
+            </a:pPr>
+            <a:r>
+              <a:rPr lang="en-US" dirty="0"/>
+              <a:t>Discussion</a:t>
+            </a:r>
+          </a:p>
+          <a:p>
+            <a:pPr lvl="1" eaLnBrk="1" hangingPunct="1">
+              <a:lnSpc>
+                <a:spcPct val="80000"/>
+              </a:lnSpc>
+            </a:pPr>
+            <a:r>
+              <a:rPr lang="en-US" dirty="0"/>
+              <a:t>Conclusion, interpretation, limitations</a:t>
+            </a:r>
+          </a:p>
+          <a:p>
+            <a:pPr eaLnBrk="1" hangingPunct="1">
+              <a:lnSpc>
+                <a:spcPct val="80000"/>
+              </a:lnSpc>
+            </a:pPr>
+            <a:r>
+              <a:rPr lang="en-US" dirty="0"/>
+              <a:t>References</a:t>
+            </a:r>
+          </a:p>
+        </p:txBody>
+      </p:sp>
+    </p:spTree>
+  </p:cSld>
+  <p:clrMapOvr>
+    <a:masterClrMapping/>
+  </p:clrMapOvr>
+</p:sld>
+</file>
+
+<file path=ppt/slides/slide19.xml><?xml version="1.0" encoding="utf-8"?>
+<p:sld xmlns:a="http://schemas.openxmlformats.org/drawingml/2006/main" xmlns:r="http://schemas.openxmlformats.org/officeDocument/2006/relationships" xmlns:p="http://schemas.openxmlformats.org/presentationml/2006/main">
+  <p:cSld>
+    <p:spTree>
+      <p:nvGrpSpPr>
+        <p:cNvPr id="1" name=""/>
+        <p:cNvGrpSpPr/>
+        <p:nvPr/>
+      </p:nvGrpSpPr>
+      <p:grpSpPr>
+        <a:xfrm>
+          <a:off x="0" y="0"/>
+          <a:ext cx="0" cy="0"/>
+          <a:chOff x="0" y="0"/>
+          <a:chExt cx="0" cy="0"/>
+        </a:xfrm>
+      </p:grpSpPr>
+      <p:sp>
+        <p:nvSpPr>
           <p:cNvPr id="2" name="Title 1">
             <a:extLst>
               <a:ext uri="{FF2B5EF4-FFF2-40B4-BE49-F238E27FC236}">
-                <a16:creationId xmlns:a16="http://schemas.microsoft.com/office/drawing/2014/main" id="{79B0F6E2-E33B-B09B-214B-D25AB8DD7347}"/>
+                <a16:creationId xmlns:a16="http://schemas.microsoft.com/office/drawing/2014/main" id="{F5492E6F-4B09-5D92-5AA6-2FD4046BBD4A}"/>
               </a:ext>
             </a:extLst>
           </p:cNvPr>
@@ -5124,86 +5600,64 @@
           <a:p>
             <a:r>
               <a:rPr lang="en-US" dirty="0"/>
-              <a:t>For </a:t>
-            </a:r>
-            <a:r>
-              <a:rPr lang="en-US"/>
-              <a:t>Mon Jan 15</a:t>
-            </a:r>
+              <a:t>APA Methods Section</a:t>
+            </a:r>
+          </a:p>
+        </p:txBody>
+      </p:sp>
+      <p:sp>
+        <p:nvSpPr>
+          <p:cNvPr id="3" name="Content Placeholder 2">
+            <a:extLst>
+              <a:ext uri="{FF2B5EF4-FFF2-40B4-BE49-F238E27FC236}">
+                <a16:creationId xmlns:a16="http://schemas.microsoft.com/office/drawing/2014/main" id="{29EBFA7D-5EB7-3E3C-047B-95EF5CB30AFF}"/>
+              </a:ext>
+            </a:extLst>
+          </p:cNvPr>
+          <p:cNvSpPr>
+            <a:spLocks noGrp="1"/>
+          </p:cNvSpPr>
+          <p:nvPr>
+            <p:ph idx="1"/>
+          </p:nvPr>
+        </p:nvSpPr>
+        <p:spPr/>
+        <p:txBody>
+          <a:bodyPr/>
+          <a:lstStyle/>
+          <a:p>
+            <a:r>
+              <a:rPr lang="en-US" dirty="0"/>
+              <a:t>Participants</a:t>
+            </a:r>
+          </a:p>
+          <a:p>
+            <a:r>
+              <a:rPr lang="en-US" dirty="0"/>
+              <a:t>Materials</a:t>
+            </a:r>
+          </a:p>
+          <a:p>
+            <a:r>
+              <a:rPr lang="en-US" dirty="0"/>
+              <a:t>Procedure</a:t>
+            </a:r>
+          </a:p>
+          <a:p>
             <a:endParaRPr lang="en-US" dirty="0"/>
           </a:p>
-        </p:txBody>
-      </p:sp>
-      <p:sp>
-        <p:nvSpPr>
-          <p:cNvPr id="3" name="Content Placeholder 2">
-            <a:extLst>
-              <a:ext uri="{FF2B5EF4-FFF2-40B4-BE49-F238E27FC236}">
-                <a16:creationId xmlns:a16="http://schemas.microsoft.com/office/drawing/2014/main" id="{9509EF71-C356-A835-C4E3-AC67F6B565DB}"/>
-              </a:ext>
-            </a:extLst>
-          </p:cNvPr>
-          <p:cNvSpPr>
-            <a:spLocks noGrp="1"/>
-          </p:cNvSpPr>
-          <p:nvPr>
-            <p:ph idx="1"/>
-          </p:nvPr>
-        </p:nvSpPr>
-        <p:spPr/>
-        <p:txBody>
-          <a:bodyPr/>
-          <a:lstStyle/>
-          <a:p>
-            <a:r>
-              <a:rPr lang="en-US" dirty="0"/>
-              <a:t>Chapter 5: Statistics 1</a:t>
-            </a:r>
-          </a:p>
-          <a:p>
-            <a:r>
-              <a:rPr lang="en-US" dirty="0"/>
-              <a:t>Statistics for Experiment 1</a:t>
-            </a:r>
-          </a:p>
-          <a:p>
-            <a:pPr lvl="1"/>
-            <a:r>
-              <a:rPr lang="en-US" dirty="0"/>
-              <a:t>Descriptive statistics using data in a spreadsheet (Excel)</a:t>
-            </a:r>
-          </a:p>
-          <a:p>
-            <a:pPr lvl="1"/>
-            <a:r>
-              <a:rPr lang="en-US" dirty="0"/>
-              <a:t>Inferential statistics using R</a:t>
-            </a:r>
-          </a:p>
-          <a:p>
-            <a:pPr lvl="1"/>
-            <a:r>
-              <a:rPr lang="en-US" dirty="0"/>
-              <a:t>Making a figure to illustrate the results</a:t>
-            </a:r>
-          </a:p>
-          <a:p>
-            <a:pPr lvl="1"/>
-            <a:r>
-              <a:rPr lang="en-US" dirty="0"/>
-              <a:t>Data and instructions for carrying out the analysis posted on Canvas</a:t>
-            </a:r>
-          </a:p>
-          <a:p>
-            <a:pPr lvl="1"/>
-            <a:endParaRPr lang="en-US" dirty="0"/>
+          <a:p>
+            <a:r>
+              <a:rPr lang="en-US" dirty="0"/>
+              <a:t>Enough detail that somebody who was not here could run the study themselves to replicate the findings</a:t>
+            </a:r>
           </a:p>
         </p:txBody>
       </p:sp>
     </p:spTree>
     <p:extLst>
       <p:ext uri="{BB962C8B-B14F-4D97-AF65-F5344CB8AC3E}">
-        <p14:creationId xmlns:p14="http://schemas.microsoft.com/office/powerpoint/2010/main" val="1933465240"/>
+        <p14:creationId xmlns:p14="http://schemas.microsoft.com/office/powerpoint/2010/main" val="3875922011"/>
       </p:ext>
     </p:extLst>
   </p:cSld>
@@ -5315,6 +5769,461 @@
     <p:extLst>
       <p:ext uri="{BB962C8B-B14F-4D97-AF65-F5344CB8AC3E}">
         <p14:creationId xmlns:p14="http://schemas.microsoft.com/office/powerpoint/2010/main" val="1389193386"/>
+      </p:ext>
+    </p:extLst>
+  </p:cSld>
+  <p:clrMapOvr>
+    <a:masterClrMapping/>
+  </p:clrMapOvr>
+</p:sld>
+</file>
+
+<file path=ppt/slides/slide20.xml><?xml version="1.0" encoding="utf-8"?>
+<p:sld xmlns:a="http://schemas.openxmlformats.org/drawingml/2006/main" xmlns:r="http://schemas.openxmlformats.org/officeDocument/2006/relationships" xmlns:p="http://schemas.openxmlformats.org/presentationml/2006/main">
+  <p:cSld>
+    <p:spTree>
+      <p:nvGrpSpPr>
+        <p:cNvPr id="1" name=""/>
+        <p:cNvGrpSpPr/>
+        <p:nvPr/>
+      </p:nvGrpSpPr>
+      <p:grpSpPr>
+        <a:xfrm>
+          <a:off x="0" y="0"/>
+          <a:ext cx="0" cy="0"/>
+          <a:chOff x="0" y="0"/>
+          <a:chExt cx="0" cy="0"/>
+        </a:xfrm>
+      </p:grpSpPr>
+      <p:sp>
+        <p:nvSpPr>
+          <p:cNvPr id="2" name="Title 1">
+            <a:extLst>
+              <a:ext uri="{FF2B5EF4-FFF2-40B4-BE49-F238E27FC236}">
+                <a16:creationId xmlns:a16="http://schemas.microsoft.com/office/drawing/2014/main" id="{7FE8C430-C521-F269-5711-20F2594355C2}"/>
+              </a:ext>
+            </a:extLst>
+          </p:cNvPr>
+          <p:cNvSpPr>
+            <a:spLocks noGrp="1"/>
+          </p:cNvSpPr>
+          <p:nvPr>
+            <p:ph type="title"/>
+          </p:nvPr>
+        </p:nvSpPr>
+        <p:spPr/>
+        <p:txBody>
+          <a:bodyPr/>
+          <a:lstStyle/>
+          <a:p>
+            <a:r>
+              <a:rPr lang="en-US" dirty="0"/>
+              <a:t>Experiment 1 Methods information</a:t>
+            </a:r>
+          </a:p>
+        </p:txBody>
+      </p:sp>
+      <p:sp>
+        <p:nvSpPr>
+          <p:cNvPr id="3" name="Content Placeholder 2">
+            <a:extLst>
+              <a:ext uri="{FF2B5EF4-FFF2-40B4-BE49-F238E27FC236}">
+                <a16:creationId xmlns:a16="http://schemas.microsoft.com/office/drawing/2014/main" id="{13A4C378-1140-4C2B-CE55-92AD5727448E}"/>
+              </a:ext>
+            </a:extLst>
+          </p:cNvPr>
+          <p:cNvSpPr>
+            <a:spLocks noGrp="1"/>
+          </p:cNvSpPr>
+          <p:nvPr>
+            <p:ph idx="1"/>
+          </p:nvPr>
+        </p:nvSpPr>
+        <p:spPr/>
+        <p:txBody>
+          <a:bodyPr>
+            <a:normAutofit fontScale="77500" lnSpcReduction="20000"/>
+          </a:bodyPr>
+          <a:lstStyle/>
+          <a:p>
+            <a:r>
+              <a:rPr lang="en-US" dirty="0"/>
+              <a:t>Participants</a:t>
+            </a:r>
+          </a:p>
+          <a:p>
+            <a:pPr lvl="1"/>
+            <a:r>
+              <a:rPr lang="en-US" dirty="0"/>
+              <a:t>48 students from two Research Methods </a:t>
+            </a:r>
+            <a:r>
+              <a:rPr lang="en-US"/>
+              <a:t>class sections</a:t>
+            </a:r>
+            <a:endParaRPr lang="en-US" dirty="0"/>
+          </a:p>
+          <a:p>
+            <a:endParaRPr lang="en-US" dirty="0"/>
+          </a:p>
+          <a:p>
+            <a:r>
+              <a:rPr lang="en-US" dirty="0"/>
+              <a:t>Materials</a:t>
+            </a:r>
+          </a:p>
+          <a:p>
+            <a:pPr lvl="1"/>
+            <a:r>
+              <a:rPr lang="en-US" sz="2800" dirty="0"/>
+              <a:t>A set of 60 words was used for the study and test stimuli.  Words were selected to have a written frequency of 30-80 per million and to be 5-8 letters in length.</a:t>
+            </a:r>
+          </a:p>
+          <a:p>
+            <a:pPr lvl="1"/>
+            <a:endParaRPr lang="en-US" dirty="0"/>
+          </a:p>
+          <a:p>
+            <a:r>
+              <a:rPr lang="en-US" dirty="0"/>
+              <a:t>Procedure</a:t>
+            </a:r>
+          </a:p>
+          <a:p>
+            <a:pPr lvl="1"/>
+            <a:r>
+              <a:rPr lang="en-US" dirty="0"/>
+              <a:t>4s time per word to rate (automatic advance)</a:t>
+            </a:r>
+          </a:p>
+          <a:p>
+            <a:pPr lvl="2"/>
+            <a:r>
+              <a:rPr lang="en-US" dirty="0"/>
+              <a:t>“For each word, rate how much you like the word on a 1 to 5 scale. 5 means you like the word very much and 1 means you dislike the word very much. Indicate your rating with keyboard or mouse.”</a:t>
+            </a:r>
+          </a:p>
+          <a:p>
+            <a:pPr lvl="2"/>
+            <a:r>
+              <a:rPr lang="en-US" dirty="0"/>
+              <a:t>“For each word, count the number of vowels in each word. Enter the number with keyboard or mouse"</a:t>
+            </a:r>
+          </a:p>
+          <a:p>
+            <a:pPr lvl="1"/>
+            <a:r>
+              <a:rPr lang="en-US" dirty="0"/>
+              <a:t>3m delay period completing trivia questions</a:t>
+            </a:r>
+          </a:p>
+          <a:p>
+            <a:pPr lvl="1"/>
+            <a:r>
+              <a:rPr lang="en-US" dirty="0"/>
+              <a:t>60 item post-test, 30 old, 30 new</a:t>
+            </a:r>
+          </a:p>
+          <a:p>
+            <a:endParaRPr lang="en-US" dirty="0"/>
+          </a:p>
+        </p:txBody>
+      </p:sp>
+    </p:spTree>
+    <p:extLst>
+      <p:ext uri="{BB962C8B-B14F-4D97-AF65-F5344CB8AC3E}">
+        <p14:creationId xmlns:p14="http://schemas.microsoft.com/office/powerpoint/2010/main" val="1879103408"/>
+      </p:ext>
+    </p:extLst>
+  </p:cSld>
+  <p:clrMapOvr>
+    <a:masterClrMapping/>
+  </p:clrMapOvr>
+</p:sld>
+</file>
+
+<file path=ppt/slides/slide21.xml><?xml version="1.0" encoding="utf-8"?>
+<p:sld xmlns:a="http://schemas.openxmlformats.org/drawingml/2006/main" xmlns:r="http://schemas.openxmlformats.org/officeDocument/2006/relationships" xmlns:p="http://schemas.openxmlformats.org/presentationml/2006/main">
+  <p:cSld>
+    <p:spTree>
+      <p:nvGrpSpPr>
+        <p:cNvPr id="1" name=""/>
+        <p:cNvGrpSpPr/>
+        <p:nvPr/>
+      </p:nvGrpSpPr>
+      <p:grpSpPr>
+        <a:xfrm>
+          <a:off x="0" y="0"/>
+          <a:ext cx="0" cy="0"/>
+          <a:chOff x="0" y="0"/>
+          <a:chExt cx="0" cy="0"/>
+        </a:xfrm>
+      </p:grpSpPr>
+      <p:sp>
+        <p:nvSpPr>
+          <p:cNvPr id="2" name="Title 1">
+            <a:extLst>
+              <a:ext uri="{FF2B5EF4-FFF2-40B4-BE49-F238E27FC236}">
+                <a16:creationId xmlns:a16="http://schemas.microsoft.com/office/drawing/2014/main" id="{C48C8962-0FF9-D391-FDA8-712B4E6F12BC}"/>
+              </a:ext>
+            </a:extLst>
+          </p:cNvPr>
+          <p:cNvSpPr>
+            <a:spLocks noGrp="1"/>
+          </p:cNvSpPr>
+          <p:nvPr>
+            <p:ph type="title"/>
+          </p:nvPr>
+        </p:nvSpPr>
+        <p:spPr/>
+        <p:txBody>
+          <a:bodyPr/>
+          <a:lstStyle/>
+          <a:p>
+            <a:r>
+              <a:rPr lang="en-US" dirty="0"/>
+              <a:t>Exp 1 Report requirements</a:t>
+            </a:r>
+          </a:p>
+        </p:txBody>
+      </p:sp>
+      <p:sp>
+        <p:nvSpPr>
+          <p:cNvPr id="3" name="Content Placeholder 2">
+            <a:extLst>
+              <a:ext uri="{FF2B5EF4-FFF2-40B4-BE49-F238E27FC236}">
+                <a16:creationId xmlns:a16="http://schemas.microsoft.com/office/drawing/2014/main" id="{E19B83D2-EF88-B2EB-2736-F9F04E0B9B42}"/>
+              </a:ext>
+            </a:extLst>
+          </p:cNvPr>
+          <p:cNvSpPr>
+            <a:spLocks noGrp="1"/>
+          </p:cNvSpPr>
+          <p:nvPr>
+            <p:ph idx="1"/>
+          </p:nvPr>
+        </p:nvSpPr>
+        <p:spPr/>
+        <p:txBody>
+          <a:bodyPr>
+            <a:normAutofit fontScale="92500" lnSpcReduction="20000"/>
+          </a:bodyPr>
+          <a:lstStyle/>
+          <a:p>
+            <a:r>
+              <a:rPr lang="en-US" dirty="0"/>
+              <a:t>Abstract</a:t>
+            </a:r>
+          </a:p>
+          <a:p>
+            <a:pPr lvl="1"/>
+            <a:r>
+              <a:rPr lang="en-US" dirty="0"/>
+              <a:t>Short</a:t>
+            </a:r>
+          </a:p>
+          <a:p>
+            <a:r>
+              <a:rPr lang="en-US" dirty="0"/>
+              <a:t>Introduction</a:t>
+            </a:r>
+          </a:p>
+          <a:p>
+            <a:pPr lvl="1"/>
+            <a:r>
+              <a:rPr lang="en-US" dirty="0"/>
+              <a:t>Short</a:t>
+            </a:r>
+          </a:p>
+          <a:p>
+            <a:r>
+              <a:rPr lang="en-US" dirty="0"/>
+              <a:t>Methods</a:t>
+            </a:r>
+          </a:p>
+          <a:p>
+            <a:pPr lvl="1"/>
+            <a:r>
+              <a:rPr lang="en-US" dirty="0"/>
+              <a:t>Complete and detailed</a:t>
+            </a:r>
+          </a:p>
+          <a:p>
+            <a:r>
+              <a:rPr lang="en-US" dirty="0"/>
+              <a:t>Results</a:t>
+            </a:r>
+          </a:p>
+          <a:p>
+            <a:pPr lvl="1"/>
+            <a:r>
+              <a:rPr lang="en-US" dirty="0"/>
+              <a:t>Complete and detailed (still short)</a:t>
+            </a:r>
+          </a:p>
+          <a:p>
+            <a:pPr lvl="1"/>
+            <a:r>
+              <a:rPr lang="en-US" dirty="0"/>
+              <a:t>Figure &amp; caption</a:t>
+            </a:r>
+          </a:p>
+          <a:p>
+            <a:r>
+              <a:rPr lang="en-US" dirty="0"/>
+              <a:t>Discussion</a:t>
+            </a:r>
+          </a:p>
+          <a:p>
+            <a:pPr lvl="1"/>
+            <a:r>
+              <a:rPr lang="en-US" dirty="0"/>
+              <a:t>Short</a:t>
+            </a:r>
+          </a:p>
+          <a:p>
+            <a:r>
+              <a:rPr lang="en-US" dirty="0"/>
+              <a:t>References</a:t>
+            </a:r>
+          </a:p>
+        </p:txBody>
+      </p:sp>
+    </p:spTree>
+    <p:extLst>
+      <p:ext uri="{BB962C8B-B14F-4D97-AF65-F5344CB8AC3E}">
+        <p14:creationId xmlns:p14="http://schemas.microsoft.com/office/powerpoint/2010/main" val="3844371763"/>
+      </p:ext>
+    </p:extLst>
+  </p:cSld>
+  <p:clrMapOvr>
+    <a:masterClrMapping/>
+  </p:clrMapOvr>
+</p:sld>
+</file>
+
+<file path=ppt/slides/slide22.xml><?xml version="1.0" encoding="utf-8"?>
+<p:sld xmlns:a="http://schemas.openxmlformats.org/drawingml/2006/main" xmlns:r="http://schemas.openxmlformats.org/officeDocument/2006/relationships" xmlns:p="http://schemas.openxmlformats.org/presentationml/2006/main">
+  <p:cSld>
+    <p:spTree>
+      <p:nvGrpSpPr>
+        <p:cNvPr id="1" name=""/>
+        <p:cNvGrpSpPr/>
+        <p:nvPr/>
+      </p:nvGrpSpPr>
+      <p:grpSpPr>
+        <a:xfrm>
+          <a:off x="0" y="0"/>
+          <a:ext cx="0" cy="0"/>
+          <a:chOff x="0" y="0"/>
+          <a:chExt cx="0" cy="0"/>
+        </a:xfrm>
+      </p:grpSpPr>
+      <p:sp>
+        <p:nvSpPr>
+          <p:cNvPr id="2" name="Title 1">
+            <a:extLst>
+              <a:ext uri="{FF2B5EF4-FFF2-40B4-BE49-F238E27FC236}">
+                <a16:creationId xmlns:a16="http://schemas.microsoft.com/office/drawing/2014/main" id="{79B0F6E2-E33B-B09B-214B-D25AB8DD7347}"/>
+              </a:ext>
+            </a:extLst>
+          </p:cNvPr>
+          <p:cNvSpPr>
+            <a:spLocks noGrp="1"/>
+          </p:cNvSpPr>
+          <p:nvPr>
+            <p:ph type="title"/>
+          </p:nvPr>
+        </p:nvSpPr>
+        <p:spPr/>
+        <p:txBody>
+          <a:bodyPr/>
+          <a:lstStyle/>
+          <a:p>
+            <a:r>
+              <a:rPr lang="en-US" dirty="0"/>
+              <a:t>For Wed Jan 17</a:t>
+            </a:r>
+          </a:p>
+        </p:txBody>
+      </p:sp>
+      <p:sp>
+        <p:nvSpPr>
+          <p:cNvPr id="3" name="Content Placeholder 2">
+            <a:extLst>
+              <a:ext uri="{FF2B5EF4-FFF2-40B4-BE49-F238E27FC236}">
+                <a16:creationId xmlns:a16="http://schemas.microsoft.com/office/drawing/2014/main" id="{9509EF71-C356-A835-C4E3-AC67F6B565DB}"/>
+              </a:ext>
+            </a:extLst>
+          </p:cNvPr>
+          <p:cNvSpPr>
+            <a:spLocks noGrp="1"/>
+          </p:cNvSpPr>
+          <p:nvPr>
+            <p:ph idx="1"/>
+          </p:nvPr>
+        </p:nvSpPr>
+        <p:spPr/>
+        <p:txBody>
+          <a:bodyPr/>
+          <a:lstStyle/>
+          <a:p>
+            <a:r>
+              <a:rPr lang="en-US" dirty="0"/>
+              <a:t>Chapter 5: Statistics 1</a:t>
+            </a:r>
+          </a:p>
+          <a:p>
+            <a:r>
+              <a:rPr lang="en-US" dirty="0"/>
+              <a:t>Statistics for Experiment 1</a:t>
+            </a:r>
+          </a:p>
+          <a:p>
+            <a:pPr lvl="1"/>
+            <a:r>
+              <a:rPr lang="en-US" dirty="0"/>
+              <a:t>Descriptive statistics using data in a spreadsheet (Excel)</a:t>
+            </a:r>
+          </a:p>
+          <a:p>
+            <a:pPr lvl="1"/>
+            <a:r>
+              <a:rPr lang="en-US" dirty="0"/>
+              <a:t>Inferential statistics using R</a:t>
+            </a:r>
+          </a:p>
+          <a:p>
+            <a:pPr lvl="1"/>
+            <a:r>
+              <a:rPr lang="en-US" dirty="0"/>
+              <a:t>Making a figure to illustrate the results</a:t>
+            </a:r>
+          </a:p>
+          <a:p>
+            <a:pPr lvl="1"/>
+            <a:r>
+              <a:rPr lang="en-US" dirty="0"/>
+              <a:t>Data and instructions for carrying out the analysis posted on Canvas</a:t>
+            </a:r>
+          </a:p>
+          <a:p>
+            <a:pPr lvl="1"/>
+            <a:endParaRPr lang="en-US" dirty="0"/>
+          </a:p>
+          <a:p>
+            <a:pPr lvl="1"/>
+            <a:r>
+              <a:rPr lang="en-US" dirty="0"/>
+              <a:t>You are doing the Results section for the report.  We will go through the process quickly in class on Wed to ensure everybody has correct numbers.</a:t>
+            </a:r>
+          </a:p>
+        </p:txBody>
+      </p:sp>
+    </p:spTree>
+    <p:extLst>
+      <p:ext uri="{BB962C8B-B14F-4D97-AF65-F5344CB8AC3E}">
+        <p14:creationId xmlns:p14="http://schemas.microsoft.com/office/powerpoint/2010/main" val="1933465240"/>
       </p:ext>
     </p:extLst>
   </p:cSld>
